--- a/Customer relationship manager.pptx
+++ b/Customer relationship manager.pptx
@@ -5,7 +5,7 @@
     <p:sldMasterId id="2147483660" r:id="rId1"/>
   </p:sldMasterIdLst>
   <p:notesMasterIdLst>
-    <p:notesMasterId r:id="rId27"/>
+    <p:notesMasterId r:id="rId28"/>
   </p:notesMasterIdLst>
   <p:sldIdLst>
     <p:sldId id="256" r:id="rId2"/>
@@ -33,6 +33,7 @@
     <p:sldId id="275" r:id="rId24"/>
     <p:sldId id="276" r:id="rId25"/>
     <p:sldId id="277" r:id="rId26"/>
+    <p:sldId id="281" r:id="rId27"/>
   </p:sldIdLst>
   <p:sldSz cx="9144000" cy="6858000" type="screen4x3"/>
   <p:notesSz cx="6858000" cy="9144000"/>
@@ -216,7 +217,7 @@
           <a:p>
             <a:fld id="{97D04FC5-E492-4F90-8497-08086515260D}" type="datetimeFigureOut">
               <a:rPr lang="pt-PT" smtClean="0"/>
-              <a:t>17-01-2015</a:t>
+              <a:t>20-01-2015</a:t>
             </a:fld>
             <a:endParaRPr lang="pt-PT"/>
           </a:p>
@@ -568,6 +569,90 @@
 </p:notes>
 </file>
 
+<file path=ppt/notesSlides/notesSlide2.xml><?xml version="1.0" encoding="utf-8"?>
+<p:notes xmlns:a="http://schemas.openxmlformats.org/drawingml/2006/main" xmlns:r="http://schemas.openxmlformats.org/officeDocument/2006/relationships" xmlns:p="http://schemas.openxmlformats.org/presentationml/2006/main">
+  <p:cSld>
+    <p:spTree>
+      <p:nvGrpSpPr>
+        <p:cNvPr id="1" name=""/>
+        <p:cNvGrpSpPr/>
+        <p:nvPr/>
+      </p:nvGrpSpPr>
+      <p:grpSpPr>
+        <a:xfrm>
+          <a:off x="0" y="0"/>
+          <a:ext cx="0" cy="0"/>
+          <a:chOff x="0" y="0"/>
+          <a:chExt cx="0" cy="0"/>
+        </a:xfrm>
+      </p:grpSpPr>
+      <p:sp>
+        <p:nvSpPr>
+          <p:cNvPr id="2" name="Slide Image Placeholder 1"/>
+          <p:cNvSpPr>
+            <a:spLocks noGrp="1" noRot="1" noChangeAspect="1"/>
+          </p:cNvSpPr>
+          <p:nvPr>
+            <p:ph type="sldImg"/>
+          </p:nvPr>
+        </p:nvSpPr>
+        <p:spPr/>
+      </p:sp>
+      <p:sp>
+        <p:nvSpPr>
+          <p:cNvPr id="3" name="Notes Placeholder 2"/>
+          <p:cNvSpPr>
+            <a:spLocks noGrp="1"/>
+          </p:cNvSpPr>
+          <p:nvPr>
+            <p:ph type="body" idx="1"/>
+          </p:nvPr>
+        </p:nvSpPr>
+        <p:spPr/>
+        <p:txBody>
+          <a:bodyPr/>
+          <a:lstStyle/>
+          <a:p>
+            <a:endParaRPr lang="pt-PT" dirty="0"/>
+          </a:p>
+        </p:txBody>
+      </p:sp>
+      <p:sp>
+        <p:nvSpPr>
+          <p:cNvPr id="4" name="Slide Number Placeholder 3"/>
+          <p:cNvSpPr>
+            <a:spLocks noGrp="1"/>
+          </p:cNvSpPr>
+          <p:nvPr>
+            <p:ph type="sldNum" sz="quarter" idx="10"/>
+          </p:nvPr>
+        </p:nvSpPr>
+        <p:spPr/>
+        <p:txBody>
+          <a:bodyPr/>
+          <a:lstStyle/>
+          <a:p>
+            <a:fld id="{A0534D65-A2DC-49E7-A5A5-A9EB236AFAC8}" type="slidenum">
+              <a:rPr lang="pt-PT" smtClean="0"/>
+              <a:t>26</a:t>
+            </a:fld>
+            <a:endParaRPr lang="pt-PT"/>
+          </a:p>
+        </p:txBody>
+      </p:sp>
+    </p:spTree>
+    <p:extLst>
+      <p:ext uri="{BB962C8B-B14F-4D97-AF65-F5344CB8AC3E}">
+        <p14:creationId xmlns:p14="http://schemas.microsoft.com/office/powerpoint/2010/main" val="2508788028"/>
+      </p:ext>
+    </p:extLst>
+  </p:cSld>
+  <p:clrMapOvr>
+    <a:masterClrMapping/>
+  </p:clrMapOvr>
+</p:notes>
+</file>
+
 <file path=ppt/slideLayouts/slideLayout1.xml><?xml version="1.0" encoding="utf-8"?>
 <p:sldLayout xmlns:a="http://schemas.openxmlformats.org/drawingml/2006/main" xmlns:r="http://schemas.openxmlformats.org/officeDocument/2006/relationships" xmlns:p="http://schemas.openxmlformats.org/presentationml/2006/main" showMasterSp="0" type="title" preserve="1">
   <p:cSld name="Diapositivo de título">
@@ -748,7 +833,7 @@
             <a:fld id="{682AEB48-FEB6-4E4E-A39F-EE750F32096A}" type="datetimeFigureOut">
               <a:rPr lang="pt-PT" smtClean="0"/>
               <a:pPr/>
-              <a:t>17-01-2015</a:t>
+              <a:t>20-01-2015</a:t>
             </a:fld>
             <a:endParaRPr lang="pt-PT"/>
           </a:p>
@@ -1061,7 +1146,7 @@
             <a:fld id="{682AEB48-FEB6-4E4E-A39F-EE750F32096A}" type="datetimeFigureOut">
               <a:rPr lang="pt-PT" smtClean="0"/>
               <a:pPr/>
-              <a:t>17-01-2015</a:t>
+              <a:t>20-01-2015</a:t>
             </a:fld>
             <a:endParaRPr lang="pt-PT"/>
           </a:p>
@@ -1292,7 +1377,7 @@
             <a:fld id="{682AEB48-FEB6-4E4E-A39F-EE750F32096A}" type="datetimeFigureOut">
               <a:rPr lang="pt-PT" smtClean="0"/>
               <a:pPr/>
-              <a:t>17-01-2015</a:t>
+              <a:t>20-01-2015</a:t>
             </a:fld>
             <a:endParaRPr lang="pt-PT"/>
           </a:p>
@@ -1656,7 +1741,7 @@
             <a:fld id="{682AEB48-FEB6-4E4E-A39F-EE750F32096A}" type="datetimeFigureOut">
               <a:rPr lang="pt-PT" smtClean="0"/>
               <a:pPr/>
-              <a:t>17-01-2015</a:t>
+              <a:t>20-01-2015</a:t>
             </a:fld>
             <a:endParaRPr lang="pt-PT"/>
           </a:p>
@@ -1776,7 +1861,7 @@
             <a:fld id="{682AEB48-FEB6-4E4E-A39F-EE750F32096A}" type="datetimeFigureOut">
               <a:rPr lang="pt-PT" smtClean="0"/>
               <a:pPr/>
-              <a:t>17-01-2015</a:t>
+              <a:t>20-01-2015</a:t>
             </a:fld>
             <a:endParaRPr lang="pt-PT"/>
           </a:p>
@@ -1868,7 +1953,7 @@
             <a:fld id="{682AEB48-FEB6-4E4E-A39F-EE750F32096A}" type="datetimeFigureOut">
               <a:rPr lang="pt-PT" smtClean="0"/>
               <a:pPr/>
-              <a:t>17-01-2015</a:t>
+              <a:t>20-01-2015</a:t>
             </a:fld>
             <a:endParaRPr lang="pt-PT"/>
           </a:p>
@@ -2162,7 +2247,7 @@
             <a:fld id="{682AEB48-FEB6-4E4E-A39F-EE750F32096A}" type="datetimeFigureOut">
               <a:rPr lang="pt-PT" smtClean="0"/>
               <a:pPr/>
-              <a:t>17-01-2015</a:t>
+              <a:t>20-01-2015</a:t>
             </a:fld>
             <a:endParaRPr lang="pt-PT"/>
           </a:p>
@@ -2473,7 +2558,7 @@
             <a:fld id="{682AEB48-FEB6-4E4E-A39F-EE750F32096A}" type="datetimeFigureOut">
               <a:rPr lang="pt-PT" smtClean="0"/>
               <a:pPr/>
-              <a:t>17-01-2015</a:t>
+              <a:t>20-01-2015</a:t>
             </a:fld>
             <a:endParaRPr lang="pt-PT"/>
           </a:p>
@@ -2700,7 +2785,7 @@
             <a:fld id="{682AEB48-FEB6-4E4E-A39F-EE750F32096A}" type="datetimeFigureOut">
               <a:rPr lang="pt-PT" smtClean="0"/>
               <a:pPr/>
-              <a:t>17-01-2015</a:t>
+              <a:t>20-01-2015</a:t>
             </a:fld>
             <a:endParaRPr lang="pt-PT"/>
           </a:p>
@@ -3553,7 +3638,7 @@
           <a:graphicData uri="http://schemas.openxmlformats.org/presentationml/2006/ole">
             <mc:AlternateContent xmlns:mc="http://schemas.openxmlformats.org/markup-compatibility/2006">
               <mc:Choice xmlns:v="urn:schemas-microsoft-com:vml" Requires="v">
-                <p:oleObj spid="_x0000_s3094" name="Visio" r:id="rId3" imgW="16087657" imgH="8943975" progId="Visio.Drawing.15">
+                <p:oleObj spid="_x0000_s3100" name="Visio" r:id="rId3" imgW="16087657" imgH="8943975" progId="Visio.Drawing.15">
                   <p:embed/>
                 </p:oleObj>
               </mc:Choice>
@@ -3686,7 +3771,7 @@
           <a:graphicData uri="http://schemas.openxmlformats.org/presentationml/2006/ole">
             <mc:AlternateContent xmlns:mc="http://schemas.openxmlformats.org/markup-compatibility/2006">
               <mc:Choice xmlns:v="urn:schemas-microsoft-com:vml" Requires="v">
-                <p:oleObj spid="_x0000_s3095" name="Visio" r:id="rId5" imgW="8763000" imgH="6886575" progId="Visio.Drawing.15">
+                <p:oleObj spid="_x0000_s3101" name="Visio" r:id="rId5" imgW="8763000" imgH="6886575" progId="Visio.Drawing.15">
                   <p:embed/>
                 </p:oleObj>
               </mc:Choice>
@@ -6523,7 +6608,7 @@
           <a:graphicData uri="http://schemas.openxmlformats.org/presentationml/2006/ole">
             <mc:AlternateContent xmlns:mc="http://schemas.openxmlformats.org/markup-compatibility/2006">
               <mc:Choice xmlns:v="urn:schemas-microsoft-com:vml" Requires="v">
-                <p:oleObj spid="_x0000_s5129" name="Visio" r:id="rId3" imgW="19697585" imgH="21126352" progId="Visio.Drawing.15">
+                <p:oleObj spid="_x0000_s5132" name="Visio" r:id="rId3" imgW="19697585" imgH="21126352" progId="Visio.Drawing.15">
                   <p:embed/>
                 </p:oleObj>
               </mc:Choice>
@@ -6629,7 +6714,11 @@
           <a:p>
             <a:r>
               <a:rPr lang="pt-PT" dirty="0" smtClean="0"/>
-              <a:t>CRM-Diagramas de Classes</a:t>
+              <a:t>CRM-Diagrama </a:t>
+            </a:r>
+            <a:r>
+              <a:rPr lang="pt-PT" dirty="0" smtClean="0"/>
+              <a:t>de Classes</a:t>
             </a:r>
             <a:endParaRPr lang="pt-PT" dirty="0"/>
           </a:p>
@@ -7135,7 +7224,11 @@
           <a:p>
             <a:r>
               <a:rPr lang="pt-PT" dirty="0" smtClean="0"/>
-              <a:t>CRM-Diagramas de Classes</a:t>
+              <a:t>CRM-Diagrama </a:t>
+            </a:r>
+            <a:r>
+              <a:rPr lang="pt-PT" dirty="0" smtClean="0"/>
+              <a:t>de Classes</a:t>
             </a:r>
             <a:endParaRPr lang="pt-PT" dirty="0"/>
           </a:p>
@@ -7641,7 +7734,11 @@
           <a:p>
             <a:r>
               <a:rPr lang="pt-PT" dirty="0" smtClean="0"/>
-              <a:t>CRM-Diagramas de Classes</a:t>
+              <a:t>CRM-Diagrama </a:t>
+            </a:r>
+            <a:r>
+              <a:rPr lang="pt-PT" dirty="0" smtClean="0"/>
+              <a:t>de Classes</a:t>
             </a:r>
             <a:endParaRPr lang="pt-PT" dirty="0"/>
           </a:p>
@@ -8147,7 +8244,11 @@
           <a:p>
             <a:r>
               <a:rPr lang="pt-PT" dirty="0" smtClean="0"/>
-              <a:t>CRM-Diagramas de Classes</a:t>
+              <a:t>CRM-Diagrama </a:t>
+            </a:r>
+            <a:r>
+              <a:rPr lang="pt-PT" dirty="0" smtClean="0"/>
+              <a:t>de Classes</a:t>
             </a:r>
             <a:endParaRPr lang="pt-PT" dirty="0"/>
           </a:p>
@@ -8759,7 +8860,11 @@
           <a:p>
             <a:r>
               <a:rPr lang="pt-PT" dirty="0" smtClean="0"/>
-              <a:t>CRM-Diagramas de Classes</a:t>
+              <a:t>CRM-Diagrama </a:t>
+            </a:r>
+            <a:r>
+              <a:rPr lang="pt-PT" dirty="0" smtClean="0"/>
+              <a:t>de Classes</a:t>
             </a:r>
             <a:endParaRPr lang="pt-PT" dirty="0"/>
           </a:p>
@@ -11662,11 +11767,17 @@
           <p:cNvGraphicFramePr>
             <a:graphicFrameLocks noGrp="1"/>
           </p:cNvGraphicFramePr>
-          <p:nvPr/>
+          <p:nvPr>
+            <p:extLst>
+              <p:ext uri="{D42A27DB-BD31-4B8C-83A1-F6EECF244321}">
+                <p14:modId xmlns:p14="http://schemas.microsoft.com/office/powerpoint/2010/main" val="2579903733"/>
+              </p:ext>
+            </p:extLst>
+          </p:nvPr>
         </p:nvGraphicFramePr>
         <p:xfrm>
-          <a:off x="2128140" y="1554163"/>
-          <a:ext cx="5040120" cy="4525962"/>
+          <a:off x="0" y="1124743"/>
+          <a:ext cx="9144000" cy="5733257"/>
         </p:xfrm>
         <a:graphic>
           <a:graphicData uri="http://schemas.openxmlformats.org/drawingml/2006/table">
@@ -11675,10 +11786,10 @@
                 <a:tableStyleId>{5C22544A-7EE6-4342-B048-85BDC9FD1C3A}</a:tableStyleId>
               </a:tblPr>
               <a:tblGrid>
-                <a:gridCol w="838438"/>
-                <a:gridCol w="4201682"/>
+                <a:gridCol w="1521130"/>
+                <a:gridCol w="7622870"/>
               </a:tblGrid>
-              <a:tr h="167629">
+              <a:tr h="212344">
                 <a:tc>
                   <a:txBody>
                     <a:bodyPr/>
@@ -11693,12 +11804,12 @@
                         </a:spcAft>
                       </a:pPr>
                       <a:r>
-                        <a:rPr lang="pt-PT" sz="1000">
+                        <a:rPr lang="pt-PT" sz="1200" dirty="0">
                           <a:effectLst/>
                         </a:rPr>
                         <a:t>Nome</a:t>
                       </a:r>
-                      <a:endParaRPr lang="pt-PT" sz="1000">
+                      <a:endParaRPr lang="pt-PT" sz="1200" dirty="0">
                         <a:effectLst/>
                         <a:latin typeface="Calibri"/>
                         <a:ea typeface="Calibri"/>
@@ -11722,12 +11833,12 @@
                         </a:spcAft>
                       </a:pPr>
                       <a:r>
-                        <a:rPr lang="pt-PT" sz="1000">
+                        <a:rPr lang="pt-PT" sz="1200" dirty="0">
                           <a:effectLst/>
                         </a:rPr>
                         <a:t>Descrição</a:t>
                       </a:r>
-                      <a:endParaRPr lang="pt-PT" sz="1000">
+                      <a:endParaRPr lang="pt-PT" sz="1200" dirty="0">
                         <a:effectLst/>
                         <a:latin typeface="Calibri"/>
                         <a:ea typeface="Calibri"/>
@@ -11738,7 +11849,7 @@
                   <a:tcPr marL="64084" marR="64084" marT="0" marB="0"/>
                 </a:tc>
               </a:tr>
-              <a:tr h="1341025">
+              <a:tr h="1698741">
                 <a:tc>
                   <a:txBody>
                     <a:bodyPr/>
@@ -11753,12 +11864,12 @@
                         </a:spcAft>
                       </a:pPr>
                       <a:r>
-                        <a:rPr lang="pt-PT" sz="1000">
+                        <a:rPr lang="pt-PT" sz="1200" dirty="0">
                           <a:effectLst/>
                         </a:rPr>
                         <a:t>Inserir()</a:t>
                       </a:r>
-                      <a:endParaRPr lang="pt-PT" sz="1000">
+                      <a:endParaRPr lang="pt-PT" sz="1200" dirty="0">
                         <a:effectLst/>
                         <a:latin typeface="Calibri"/>
                         <a:ea typeface="Calibri"/>
@@ -11782,7 +11893,7 @@
                         </a:spcAft>
                       </a:pPr>
                       <a:r>
-                        <a:rPr lang="pt-PT" sz="1000">
+                        <a:rPr lang="pt-PT" sz="1200">
                           <a:effectLst/>
                         </a:rPr>
                         <a:t>Operação que permite inserir uma promoção</a:t>
@@ -11800,7 +11911,7 @@
                         <a:buAutoNum type="arabicPeriod"/>
                       </a:pPr>
                       <a:r>
-                        <a:rPr lang="pt-PT" sz="1000">
+                        <a:rPr lang="pt-PT" sz="1200">
                           <a:effectLst/>
                         </a:rPr>
                         <a:t>Introduzir o nome da promoção, percentagem de desconto, data em que a promoção entra em vigor e data em que a promoção termina. Campos opcionais: detalhes da promoção e imagem da promoção</a:t>
@@ -11818,7 +11929,7 @@
                         <a:buAutoNum type="arabicPeriod"/>
                       </a:pPr>
                       <a:r>
-                        <a:rPr lang="pt-PT" sz="1000">
+                        <a:rPr lang="pt-PT" sz="1200">
                           <a:effectLst/>
                         </a:rPr>
                         <a:t>O sistema gera o Id_Promocao</a:t>
@@ -11836,7 +11947,7 @@
                         <a:buAutoNum type="arabicPeriod"/>
                       </a:pPr>
                       <a:r>
-                        <a:rPr lang="pt-PT" sz="1000">
+                        <a:rPr lang="pt-PT" sz="1200">
                           <a:effectLst/>
                         </a:rPr>
                         <a:t>Registar a operação no histórico</a:t>
@@ -11854,7 +11965,7 @@
                         <a:buAutoNum type="alphaLcPeriod"/>
                       </a:pPr>
                       <a:r>
-                        <a:rPr lang="pt-PT" sz="1000">
+                        <a:rPr lang="pt-PT" sz="1200">
                           <a:effectLst/>
                         </a:rPr>
                         <a:t>Histórico de promoções: inserir()</a:t>
@@ -11872,12 +11983,12 @@
                         <a:buAutoNum type="alphaLcPeriod"/>
                       </a:pPr>
                       <a:r>
-                        <a:rPr lang="pt-PT" sz="1000">
+                        <a:rPr lang="pt-PT" sz="1200">
                           <a:effectLst/>
                         </a:rPr>
                         <a:t>NOTA: O Id_Estado fica no estado “Em progresso”</a:t>
                       </a:r>
-                      <a:endParaRPr lang="pt-PT" sz="1000">
+                      <a:endParaRPr lang="pt-PT" sz="1200">
                         <a:effectLst/>
                         <a:latin typeface="Calibri"/>
                         <a:ea typeface="Calibri"/>
@@ -11888,7 +11999,7 @@
                   <a:tcPr marL="64084" marR="64084" marT="0" marB="0"/>
                 </a:tc>
               </a:tr>
-              <a:tr h="1005769">
+              <a:tr h="1274057">
                 <a:tc>
                   <a:txBody>
                     <a:bodyPr/>
@@ -11903,12 +12014,12 @@
                         </a:spcAft>
                       </a:pPr>
                       <a:r>
-                        <a:rPr lang="pt-PT" sz="1000">
+                        <a:rPr lang="pt-PT" sz="1200">
                           <a:effectLst/>
                         </a:rPr>
                         <a:t>Alterar()</a:t>
                       </a:r>
-                      <a:endParaRPr lang="pt-PT" sz="1000">
+                      <a:endParaRPr lang="pt-PT" sz="1200">
                         <a:effectLst/>
                         <a:latin typeface="Calibri"/>
                         <a:ea typeface="Calibri"/>
@@ -11932,7 +12043,7 @@
                         </a:spcAft>
                       </a:pPr>
                       <a:r>
-                        <a:rPr lang="pt-PT" sz="1000" dirty="0">
+                        <a:rPr lang="pt-PT" sz="1200" dirty="0">
                           <a:effectLst/>
                         </a:rPr>
                         <a:t>Operação que permite alterar uma promoção (apenas promoções que se encontrem no estado “Em progresso”)</a:t>
@@ -11950,7 +12061,7 @@
                         <a:buAutoNum type="arabicPeriod"/>
                       </a:pPr>
                       <a:r>
-                        <a:rPr lang="pt-PT" sz="1000" dirty="0">
+                        <a:rPr lang="pt-PT" sz="1200" dirty="0">
                           <a:effectLst/>
                         </a:rPr>
                         <a:t>Selecionar a promoção</a:t>
@@ -11968,7 +12079,7 @@
                         <a:buAutoNum type="arabicPeriod"/>
                       </a:pPr>
                       <a:r>
-                        <a:rPr lang="pt-PT" sz="1000" dirty="0">
+                        <a:rPr lang="pt-PT" sz="1200" dirty="0">
                           <a:effectLst/>
                         </a:rPr>
                         <a:t>Alterar os campos necessários e que forem permitidos</a:t>
@@ -11986,7 +12097,7 @@
                         <a:buAutoNum type="arabicPeriod"/>
                       </a:pPr>
                       <a:r>
-                        <a:rPr lang="pt-PT" sz="1000" dirty="0">
+                        <a:rPr lang="pt-PT" sz="1200" dirty="0">
                           <a:effectLst/>
                         </a:rPr>
                         <a:t>Atualizar a promoção</a:t>
@@ -12004,12 +12115,12 @@
                         <a:buAutoNum type="arabicPeriod"/>
                       </a:pPr>
                       <a:r>
-                        <a:rPr lang="pt-PT" sz="1000" dirty="0">
+                        <a:rPr lang="pt-PT" sz="1200" dirty="0">
                           <a:effectLst/>
                         </a:rPr>
                         <a:t>Registar a operação no histórico</a:t>
                       </a:r>
-                      <a:endParaRPr lang="pt-PT" sz="1000" dirty="0">
+                      <a:endParaRPr lang="pt-PT" sz="1200" dirty="0">
                         <a:effectLst/>
                         <a:latin typeface="Calibri"/>
                         <a:ea typeface="Calibri"/>
@@ -12020,7 +12131,7 @@
                   <a:tcPr marL="64084" marR="64084" marT="0" marB="0"/>
                 </a:tc>
               </a:tr>
-              <a:tr h="838141">
+              <a:tr h="1061714">
                 <a:tc>
                   <a:txBody>
                     <a:bodyPr/>
@@ -12035,12 +12146,12 @@
                         </a:spcAft>
                       </a:pPr>
                       <a:r>
-                        <a:rPr lang="pt-PT" sz="1000">
+                        <a:rPr lang="pt-PT" sz="1200">
                           <a:effectLst/>
                         </a:rPr>
                         <a:t>Consultar()</a:t>
                       </a:r>
-                      <a:endParaRPr lang="pt-PT" sz="1000">
+                      <a:endParaRPr lang="pt-PT" sz="1200">
                         <a:effectLst/>
                         <a:latin typeface="Calibri"/>
                         <a:ea typeface="Calibri"/>
@@ -12064,7 +12175,7 @@
                         </a:spcAft>
                       </a:pPr>
                       <a:r>
-                        <a:rPr lang="pt-PT" sz="1000">
+                        <a:rPr lang="pt-PT" sz="1200" dirty="0">
                           <a:effectLst/>
                         </a:rPr>
                         <a:t>Operação que permite consultar uma promoção</a:t>
@@ -12082,7 +12193,7 @@
                         <a:buAutoNum type="arabicPeriod"/>
                       </a:pPr>
                       <a:r>
-                        <a:rPr lang="pt-PT" sz="1000">
+                        <a:rPr lang="pt-PT" sz="1200" dirty="0">
                           <a:effectLst/>
                         </a:rPr>
                         <a:t>Selecionar a promoção</a:t>
@@ -12100,7 +12211,7 @@
                         <a:buAutoNum type="arabicPeriod"/>
                       </a:pPr>
                       <a:r>
-                        <a:rPr lang="pt-PT" sz="1000">
+                        <a:rPr lang="pt-PT" sz="1200" dirty="0">
                           <a:effectLst/>
                         </a:rPr>
                         <a:t>O sistema mostra os detalhes da promoção</a:t>
@@ -12118,12 +12229,12 @@
                         <a:buAutoNum type="alphaLcPeriod"/>
                       </a:pPr>
                       <a:r>
-                        <a:rPr lang="pt-PT" sz="1000">
+                        <a:rPr lang="pt-PT" sz="1200" dirty="0">
                           <a:effectLst/>
                         </a:rPr>
                         <a:t>Histórico de promoções: consultarHistorico(estadoAtual)</a:t>
                       </a:r>
-                      <a:endParaRPr lang="pt-PT" sz="1000">
+                      <a:endParaRPr lang="pt-PT" sz="1200" dirty="0">
                         <a:effectLst/>
                         <a:latin typeface="Calibri"/>
                         <a:ea typeface="Calibri"/>
@@ -12134,7 +12245,7 @@
                   <a:tcPr marL="64084" marR="64084" marT="0" marB="0"/>
                 </a:tc>
               </a:tr>
-              <a:tr h="1173398">
+              <a:tr h="1486401">
                 <a:tc>
                   <a:txBody>
                     <a:bodyPr/>
@@ -12149,12 +12260,12 @@
                         </a:spcAft>
                       </a:pPr>
                       <a:r>
-                        <a:rPr lang="pt-PT" sz="1000">
+                        <a:rPr lang="pt-PT" sz="1200">
                           <a:effectLst/>
                         </a:rPr>
                         <a:t>Eliminar()</a:t>
                       </a:r>
-                      <a:endParaRPr lang="pt-PT" sz="1000">
+                      <a:endParaRPr lang="pt-PT" sz="1200">
                         <a:effectLst/>
                         <a:latin typeface="Calibri"/>
                         <a:ea typeface="Calibri"/>
@@ -12178,7 +12289,7 @@
                         </a:spcAft>
                       </a:pPr>
                       <a:r>
-                        <a:rPr lang="pt-PT" sz="1000" dirty="0">
+                        <a:rPr lang="pt-PT" sz="1200" dirty="0">
                           <a:effectLst/>
                         </a:rPr>
                         <a:t>Operação que permite eliminar uma promoção (apenas promoções que estejam no estado “Em progresso”)</a:t>
@@ -12196,7 +12307,7 @@
                         <a:buAutoNum type="arabicPeriod"/>
                       </a:pPr>
                       <a:r>
-                        <a:rPr lang="pt-PT" sz="1000" dirty="0">
+                        <a:rPr lang="pt-PT" sz="1200" dirty="0">
                           <a:effectLst/>
                         </a:rPr>
                         <a:t>Selecionar a promoção</a:t>
@@ -12214,7 +12325,7 @@
                         <a:buAutoNum type="arabicPeriod"/>
                       </a:pPr>
                       <a:r>
-                        <a:rPr lang="pt-PT" sz="1000" dirty="0">
+                        <a:rPr lang="pt-PT" sz="1200" dirty="0">
                           <a:effectLst/>
                         </a:rPr>
                         <a:t>O sistema mostra os detalhes da promoção</a:t>
@@ -12232,7 +12343,7 @@
                         <a:buAutoNum type="alphaLcPeriod"/>
                       </a:pPr>
                       <a:r>
-                        <a:rPr lang="pt-PT" sz="1000" dirty="0">
+                        <a:rPr lang="pt-PT" sz="1200" dirty="0">
                           <a:effectLst/>
                         </a:rPr>
                         <a:t>Operação Consultar()</a:t>
@@ -12250,7 +12361,7 @@
                         <a:buAutoNum type="arabicPeriod"/>
                       </a:pPr>
                       <a:r>
-                        <a:rPr lang="pt-PT" sz="1000" dirty="0">
+                        <a:rPr lang="pt-PT" sz="1200" dirty="0">
                           <a:effectLst/>
                         </a:rPr>
                         <a:t>Eliminar a promoção</a:t>
@@ -12268,12 +12379,12 @@
                         <a:buAutoNum type="arabicPeriod"/>
                       </a:pPr>
                       <a:r>
-                        <a:rPr lang="pt-PT" sz="1000" dirty="0">
+                        <a:rPr lang="pt-PT" sz="1200" dirty="0">
                           <a:effectLst/>
                         </a:rPr>
                         <a:t>Registar a operação no histórico</a:t>
                       </a:r>
-                      <a:endParaRPr lang="pt-PT" sz="1000" dirty="0">
+                      <a:endParaRPr lang="pt-PT" sz="1200" dirty="0">
                         <a:effectLst/>
                         <a:latin typeface="Calibri"/>
                         <a:ea typeface="Calibri"/>
@@ -13857,6 +13968,543 @@
     <p:extLst>
       <p:ext uri="{BB962C8B-B14F-4D97-AF65-F5344CB8AC3E}">
         <p14:creationId xmlns:p14="http://schemas.microsoft.com/office/powerpoint/2010/main" val="1734543281"/>
+      </p:ext>
+    </p:extLst>
+  </p:cSld>
+  <p:clrMapOvr>
+    <a:masterClrMapping/>
+  </p:clrMapOvr>
+  <p:timing>
+    <p:tnLst>
+      <p:par>
+        <p:cTn id="1" dur="indefinite" restart="never" nodeType="tmRoot"/>
+      </p:par>
+    </p:tnLst>
+  </p:timing>
+</p:sld>
+</file>
+
+<file path=ppt/slides/slide26.xml><?xml version="1.0" encoding="utf-8"?>
+<p:sld xmlns:a="http://schemas.openxmlformats.org/drawingml/2006/main" xmlns:r="http://schemas.openxmlformats.org/officeDocument/2006/relationships" xmlns:p="http://schemas.openxmlformats.org/presentationml/2006/main">
+  <p:cSld>
+    <p:spTree>
+      <p:nvGrpSpPr>
+        <p:cNvPr id="1" name=""/>
+        <p:cNvGrpSpPr/>
+        <p:nvPr/>
+      </p:nvGrpSpPr>
+      <p:grpSpPr>
+        <a:xfrm>
+          <a:off x="0" y="0"/>
+          <a:ext cx="0" cy="0"/>
+          <a:chOff x="0" y="0"/>
+          <a:chExt cx="0" cy="0"/>
+        </a:xfrm>
+      </p:grpSpPr>
+      <p:sp>
+        <p:nvSpPr>
+          <p:cNvPr id="2" name="Título 1"/>
+          <p:cNvSpPr>
+            <a:spLocks noGrp="1"/>
+          </p:cNvSpPr>
+          <p:nvPr>
+            <p:ph type="title"/>
+          </p:nvPr>
+        </p:nvSpPr>
+        <p:spPr>
+          <a:xfrm>
+            <a:off x="323528" y="404664"/>
+            <a:ext cx="6767530" cy="838200"/>
+          </a:xfrm>
+        </p:spPr>
+        <p:txBody>
+          <a:bodyPr>
+            <a:normAutofit fontScale="90000"/>
+          </a:bodyPr>
+          <a:lstStyle/>
+          <a:p>
+            <a:r>
+              <a:rPr lang="pt-PT" dirty="0" smtClean="0"/>
+              <a:t>CRM-Diagrama de actividades</a:t>
+            </a:r>
+            <a:endParaRPr lang="pt-PT" dirty="0"/>
+          </a:p>
+        </p:txBody>
+      </p:sp>
+      <p:sp>
+        <p:nvSpPr>
+          <p:cNvPr id="3" name="Marcador de Posição de Conteúdo 2"/>
+          <p:cNvSpPr>
+            <a:spLocks noGrp="1"/>
+          </p:cNvSpPr>
+          <p:nvPr>
+            <p:ph idx="1"/>
+          </p:nvPr>
+        </p:nvSpPr>
+        <p:spPr/>
+        <p:txBody>
+          <a:bodyPr>
+            <a:normAutofit/>
+          </a:bodyPr>
+          <a:lstStyle/>
+          <a:p>
+            <a:pPr marL="457200" lvl="1" indent="0">
+              <a:buNone/>
+            </a:pPr>
+            <a:endParaRPr lang="pt-PT" sz="3200" dirty="0" smtClean="0"/>
+          </a:p>
+          <a:p>
+            <a:pPr lvl="1"/>
+            <a:endParaRPr lang="pt-PT" sz="3200" dirty="0"/>
+          </a:p>
+        </p:txBody>
+      </p:sp>
+      <p:sp>
+        <p:nvSpPr>
+          <p:cNvPr id="5" name="Rectangle 2"/>
+          <p:cNvSpPr>
+            <a:spLocks noChangeArrowheads="1"/>
+          </p:cNvSpPr>
+          <p:nvPr/>
+        </p:nvSpPr>
+        <p:spPr bwMode="auto">
+          <a:xfrm>
+            <a:off x="0" y="0"/>
+            <a:ext cx="9144000" cy="0"/>
+          </a:xfrm>
+          <a:prstGeom prst="rect">
+            <a:avLst/>
+          </a:prstGeom>
+          <a:noFill/>
+          <a:ln>
+            <a:noFill/>
+          </a:ln>
+          <a:effectLst/>
+          <a:extLst>
+            <a:ext uri="{909E8E84-426E-40DD-AFC4-6F175D3DCCD1}">
+              <a14:hiddenFill xmlns:a14="http://schemas.microsoft.com/office/drawing/2010/main">
+                <a:solidFill>
+                  <a:schemeClr val="accent1"/>
+                </a:solidFill>
+              </a14:hiddenFill>
+            </a:ext>
+            <a:ext uri="{91240B29-F687-4F45-9708-019B960494DF}">
+              <a14:hiddenLine xmlns:a14="http://schemas.microsoft.com/office/drawing/2010/main" w="9525">
+                <a:solidFill>
+                  <a:schemeClr val="tx1"/>
+                </a:solidFill>
+                <a:miter lim="800000"/>
+                <a:headEnd/>
+                <a:tailEnd/>
+              </a14:hiddenLine>
+            </a:ext>
+            <a:ext uri="{AF507438-7753-43E0-B8FC-AC1667EBCBE1}">
+              <a14:hiddenEffects xmlns:a14="http://schemas.microsoft.com/office/drawing/2010/main">
+                <a:effectLst>
+                  <a:outerShdw dist="35921" dir="2700000" algn="ctr" rotWithShape="0">
+                    <a:schemeClr val="bg2"/>
+                  </a:outerShdw>
+                </a:effectLst>
+              </a14:hiddenEffects>
+            </a:ext>
+          </a:extLst>
+        </p:spPr>
+        <p:txBody>
+          <a:bodyPr vert="horz" wrap="none" lIns="91440" tIns="45720" rIns="91440" bIns="45720" numCol="1" anchor="ctr" anchorCtr="0" compatLnSpc="1">
+            <a:prstTxWarp prst="textNoShape">
+              <a:avLst/>
+            </a:prstTxWarp>
+            <a:spAutoFit/>
+          </a:bodyPr>
+          <a:lstStyle/>
+          <a:p>
+            <a:endParaRPr lang="pt-PT"/>
+          </a:p>
+        </p:txBody>
+      </p:sp>
+      <p:sp>
+        <p:nvSpPr>
+          <p:cNvPr id="4" name="Rectangle 2"/>
+          <p:cNvSpPr>
+            <a:spLocks noChangeArrowheads="1"/>
+          </p:cNvSpPr>
+          <p:nvPr/>
+        </p:nvSpPr>
+        <p:spPr bwMode="auto">
+          <a:xfrm>
+            <a:off x="0" y="0"/>
+            <a:ext cx="9144000" cy="0"/>
+          </a:xfrm>
+          <a:prstGeom prst="rect">
+            <a:avLst/>
+          </a:prstGeom>
+          <a:noFill/>
+          <a:ln>
+            <a:noFill/>
+          </a:ln>
+          <a:effectLst/>
+          <a:extLst>
+            <a:ext uri="{909E8E84-426E-40DD-AFC4-6F175D3DCCD1}">
+              <a14:hiddenFill xmlns:a14="http://schemas.microsoft.com/office/drawing/2010/main">
+                <a:solidFill>
+                  <a:schemeClr val="accent1"/>
+                </a:solidFill>
+              </a14:hiddenFill>
+            </a:ext>
+            <a:ext uri="{91240B29-F687-4F45-9708-019B960494DF}">
+              <a14:hiddenLine xmlns:a14="http://schemas.microsoft.com/office/drawing/2010/main" w="9525">
+                <a:solidFill>
+                  <a:schemeClr val="tx1"/>
+                </a:solidFill>
+                <a:miter lim="800000"/>
+                <a:headEnd/>
+                <a:tailEnd/>
+              </a14:hiddenLine>
+            </a:ext>
+            <a:ext uri="{AF507438-7753-43E0-B8FC-AC1667EBCBE1}">
+              <a14:hiddenEffects xmlns:a14="http://schemas.microsoft.com/office/drawing/2010/main">
+                <a:effectLst>
+                  <a:outerShdw dist="35921" dir="2700000" algn="ctr" rotWithShape="0">
+                    <a:schemeClr val="bg2"/>
+                  </a:outerShdw>
+                </a:effectLst>
+              </a14:hiddenEffects>
+            </a:ext>
+          </a:extLst>
+        </p:spPr>
+        <p:txBody>
+          <a:bodyPr vert="horz" wrap="none" lIns="91440" tIns="45720" rIns="91440" bIns="45720" numCol="1" anchor="ctr" anchorCtr="0" compatLnSpc="1">
+            <a:prstTxWarp prst="textNoShape">
+              <a:avLst/>
+            </a:prstTxWarp>
+            <a:spAutoFit/>
+          </a:bodyPr>
+          <a:lstStyle/>
+          <a:p>
+            <a:endParaRPr lang="pt-PT"/>
+          </a:p>
+        </p:txBody>
+      </p:sp>
+      <p:sp>
+        <p:nvSpPr>
+          <p:cNvPr id="10" name="Rectangle 2"/>
+          <p:cNvSpPr>
+            <a:spLocks noChangeArrowheads="1"/>
+          </p:cNvSpPr>
+          <p:nvPr/>
+        </p:nvSpPr>
+        <p:spPr bwMode="auto">
+          <a:xfrm>
+            <a:off x="0" y="0"/>
+            <a:ext cx="9144000" cy="0"/>
+          </a:xfrm>
+          <a:prstGeom prst="rect">
+            <a:avLst/>
+          </a:prstGeom>
+          <a:noFill/>
+          <a:ln>
+            <a:noFill/>
+          </a:ln>
+          <a:effectLst/>
+          <a:extLst>
+            <a:ext uri="{909E8E84-426E-40DD-AFC4-6F175D3DCCD1}">
+              <a14:hiddenFill xmlns:a14="http://schemas.microsoft.com/office/drawing/2010/main">
+                <a:solidFill>
+                  <a:schemeClr val="accent1"/>
+                </a:solidFill>
+              </a14:hiddenFill>
+            </a:ext>
+            <a:ext uri="{91240B29-F687-4F45-9708-019B960494DF}">
+              <a14:hiddenLine xmlns:a14="http://schemas.microsoft.com/office/drawing/2010/main" w="9525">
+                <a:solidFill>
+                  <a:schemeClr val="tx1"/>
+                </a:solidFill>
+                <a:miter lim="800000"/>
+                <a:headEnd/>
+                <a:tailEnd/>
+              </a14:hiddenLine>
+            </a:ext>
+            <a:ext uri="{AF507438-7753-43E0-B8FC-AC1667EBCBE1}">
+              <a14:hiddenEffects xmlns:a14="http://schemas.microsoft.com/office/drawing/2010/main">
+                <a:effectLst>
+                  <a:outerShdw dist="35921" dir="2700000" algn="ctr" rotWithShape="0">
+                    <a:schemeClr val="bg2"/>
+                  </a:outerShdw>
+                </a:effectLst>
+              </a14:hiddenEffects>
+            </a:ext>
+          </a:extLst>
+        </p:spPr>
+        <p:txBody>
+          <a:bodyPr vert="horz" wrap="none" lIns="91440" tIns="45720" rIns="91440" bIns="45720" numCol="1" anchor="ctr" anchorCtr="0" compatLnSpc="1">
+            <a:prstTxWarp prst="textNoShape">
+              <a:avLst/>
+            </a:prstTxWarp>
+            <a:spAutoFit/>
+          </a:bodyPr>
+          <a:lstStyle/>
+          <a:p>
+            <a:endParaRPr lang="pt-PT"/>
+          </a:p>
+        </p:txBody>
+      </p:sp>
+      <p:sp>
+        <p:nvSpPr>
+          <p:cNvPr id="12" name="Rectangle 5"/>
+          <p:cNvSpPr>
+            <a:spLocks noChangeArrowheads="1"/>
+          </p:cNvSpPr>
+          <p:nvPr/>
+        </p:nvSpPr>
+        <p:spPr bwMode="auto">
+          <a:xfrm>
+            <a:off x="0" y="0"/>
+            <a:ext cx="9144000" cy="0"/>
+          </a:xfrm>
+          <a:prstGeom prst="rect">
+            <a:avLst/>
+          </a:prstGeom>
+          <a:noFill/>
+          <a:ln>
+            <a:noFill/>
+          </a:ln>
+          <a:effectLst/>
+          <a:extLst>
+            <a:ext uri="{909E8E84-426E-40DD-AFC4-6F175D3DCCD1}">
+              <a14:hiddenFill xmlns:a14="http://schemas.microsoft.com/office/drawing/2010/main">
+                <a:solidFill>
+                  <a:schemeClr val="accent1"/>
+                </a:solidFill>
+              </a14:hiddenFill>
+            </a:ext>
+            <a:ext uri="{91240B29-F687-4F45-9708-019B960494DF}">
+              <a14:hiddenLine xmlns:a14="http://schemas.microsoft.com/office/drawing/2010/main" w="9525">
+                <a:solidFill>
+                  <a:schemeClr val="tx1"/>
+                </a:solidFill>
+                <a:miter lim="800000"/>
+                <a:headEnd/>
+                <a:tailEnd/>
+              </a14:hiddenLine>
+            </a:ext>
+            <a:ext uri="{AF507438-7753-43E0-B8FC-AC1667EBCBE1}">
+              <a14:hiddenEffects xmlns:a14="http://schemas.microsoft.com/office/drawing/2010/main">
+                <a:effectLst>
+                  <a:outerShdw dist="35921" dir="2700000" algn="ctr" rotWithShape="0">
+                    <a:schemeClr val="bg2"/>
+                  </a:outerShdw>
+                </a:effectLst>
+              </a14:hiddenEffects>
+            </a:ext>
+          </a:extLst>
+        </p:spPr>
+        <p:txBody>
+          <a:bodyPr vert="horz" wrap="none" lIns="91440" tIns="45720" rIns="91440" bIns="45720" numCol="1" anchor="ctr" anchorCtr="0" compatLnSpc="1">
+            <a:prstTxWarp prst="textNoShape">
+              <a:avLst/>
+            </a:prstTxWarp>
+            <a:spAutoFit/>
+          </a:bodyPr>
+          <a:lstStyle/>
+          <a:p>
+            <a:endParaRPr lang="pt-PT"/>
+          </a:p>
+        </p:txBody>
+      </p:sp>
+      <p:sp>
+        <p:nvSpPr>
+          <p:cNvPr id="6" name="Rectangle 2"/>
+          <p:cNvSpPr>
+            <a:spLocks noChangeArrowheads="1"/>
+          </p:cNvSpPr>
+          <p:nvPr/>
+        </p:nvSpPr>
+        <p:spPr bwMode="auto">
+          <a:xfrm>
+            <a:off x="0" y="0"/>
+            <a:ext cx="9144000" cy="0"/>
+          </a:xfrm>
+          <a:prstGeom prst="rect">
+            <a:avLst/>
+          </a:prstGeom>
+          <a:noFill/>
+          <a:ln>
+            <a:noFill/>
+          </a:ln>
+          <a:effectLst/>
+          <a:extLst>
+            <a:ext uri="{909E8E84-426E-40DD-AFC4-6F175D3DCCD1}">
+              <a14:hiddenFill xmlns:a14="http://schemas.microsoft.com/office/drawing/2010/main">
+                <a:solidFill>
+                  <a:schemeClr val="accent1"/>
+                </a:solidFill>
+              </a14:hiddenFill>
+            </a:ext>
+            <a:ext uri="{91240B29-F687-4F45-9708-019B960494DF}">
+              <a14:hiddenLine xmlns:a14="http://schemas.microsoft.com/office/drawing/2010/main" w="9525">
+                <a:solidFill>
+                  <a:schemeClr val="tx1"/>
+                </a:solidFill>
+                <a:miter lim="800000"/>
+                <a:headEnd/>
+                <a:tailEnd/>
+              </a14:hiddenLine>
+            </a:ext>
+            <a:ext uri="{AF507438-7753-43E0-B8FC-AC1667EBCBE1}">
+              <a14:hiddenEffects xmlns:a14="http://schemas.microsoft.com/office/drawing/2010/main">
+                <a:effectLst>
+                  <a:outerShdw dist="35921" dir="2700000" algn="ctr" rotWithShape="0">
+                    <a:schemeClr val="bg2"/>
+                  </a:outerShdw>
+                </a:effectLst>
+              </a14:hiddenEffects>
+            </a:ext>
+          </a:extLst>
+        </p:spPr>
+        <p:txBody>
+          <a:bodyPr vert="horz" wrap="none" lIns="91440" tIns="45720" rIns="91440" bIns="45720" numCol="1" anchor="ctr" anchorCtr="0" compatLnSpc="1">
+            <a:prstTxWarp prst="textNoShape">
+              <a:avLst/>
+            </a:prstTxWarp>
+            <a:spAutoFit/>
+          </a:bodyPr>
+          <a:lstStyle/>
+          <a:p>
+            <a:endParaRPr lang="pt-PT"/>
+          </a:p>
+        </p:txBody>
+      </p:sp>
+      <p:sp>
+        <p:nvSpPr>
+          <p:cNvPr id="7" name="Rectangle 2"/>
+          <p:cNvSpPr>
+            <a:spLocks noChangeArrowheads="1"/>
+          </p:cNvSpPr>
+          <p:nvPr/>
+        </p:nvSpPr>
+        <p:spPr bwMode="auto">
+          <a:xfrm>
+            <a:off x="0" y="0"/>
+            <a:ext cx="9144000" cy="0"/>
+          </a:xfrm>
+          <a:prstGeom prst="rect">
+            <a:avLst/>
+          </a:prstGeom>
+          <a:noFill/>
+          <a:ln>
+            <a:noFill/>
+          </a:ln>
+          <a:effectLst/>
+          <a:extLst>
+            <a:ext uri="{909E8E84-426E-40DD-AFC4-6F175D3DCCD1}">
+              <a14:hiddenFill xmlns:a14="http://schemas.microsoft.com/office/drawing/2010/main">
+                <a:solidFill>
+                  <a:schemeClr val="accent1"/>
+                </a:solidFill>
+              </a14:hiddenFill>
+            </a:ext>
+            <a:ext uri="{91240B29-F687-4F45-9708-019B960494DF}">
+              <a14:hiddenLine xmlns:a14="http://schemas.microsoft.com/office/drawing/2010/main" w="9525">
+                <a:solidFill>
+                  <a:schemeClr val="tx1"/>
+                </a:solidFill>
+                <a:miter lim="800000"/>
+                <a:headEnd/>
+                <a:tailEnd/>
+              </a14:hiddenLine>
+            </a:ext>
+            <a:ext uri="{AF507438-7753-43E0-B8FC-AC1667EBCBE1}">
+              <a14:hiddenEffects xmlns:a14="http://schemas.microsoft.com/office/drawing/2010/main">
+                <a:effectLst>
+                  <a:outerShdw dist="35921" dir="2700000" algn="ctr" rotWithShape="0">
+                    <a:schemeClr val="bg2"/>
+                  </a:outerShdw>
+                </a:effectLst>
+              </a14:hiddenEffects>
+            </a:ext>
+          </a:extLst>
+        </p:spPr>
+        <p:txBody>
+          <a:bodyPr vert="horz" wrap="none" lIns="91440" tIns="45720" rIns="91440" bIns="45720" numCol="1" anchor="ctr" anchorCtr="0" compatLnSpc="1">
+            <a:prstTxWarp prst="textNoShape">
+              <a:avLst/>
+            </a:prstTxWarp>
+            <a:spAutoFit/>
+          </a:bodyPr>
+          <a:lstStyle/>
+          <a:p>
+            <a:endParaRPr lang="pt-PT"/>
+          </a:p>
+        </p:txBody>
+      </p:sp>
+      <p:pic>
+        <p:nvPicPr>
+          <p:cNvPr id="12290" name="Picture 2"/>
+          <p:cNvPicPr>
+            <a:picLocks noChangeAspect="1" noChangeArrowheads="1"/>
+          </p:cNvPicPr>
+          <p:nvPr/>
+        </p:nvPicPr>
+        <p:blipFill>
+          <a:blip r:embed="rId3">
+            <a:extLst>
+              <a:ext uri="{28A0092B-C50C-407E-A947-70E740481C1C}">
+                <a14:useLocalDpi xmlns:a14="http://schemas.microsoft.com/office/drawing/2010/main" val="0"/>
+              </a:ext>
+            </a:extLst>
+          </a:blip>
+          <a:srcRect/>
+          <a:stretch>
+            <a:fillRect/>
+          </a:stretch>
+        </p:blipFill>
+        <p:spPr bwMode="auto">
+          <a:xfrm>
+            <a:off x="0" y="1052736"/>
+            <a:ext cx="9144000" cy="5805264"/>
+          </a:xfrm>
+          <a:prstGeom prst="rect">
+            <a:avLst/>
+          </a:prstGeom>
+          <a:noFill/>
+          <a:ln>
+            <a:noFill/>
+          </a:ln>
+          <a:effectLst/>
+          <a:extLst>
+            <a:ext uri="{909E8E84-426E-40DD-AFC4-6F175D3DCCD1}">
+              <a14:hiddenFill xmlns:a14="http://schemas.microsoft.com/office/drawing/2010/main">
+                <a:solidFill>
+                  <a:schemeClr val="accent1"/>
+                </a:solidFill>
+              </a14:hiddenFill>
+            </a:ext>
+            <a:ext uri="{91240B29-F687-4F45-9708-019B960494DF}">
+              <a14:hiddenLine xmlns:a14="http://schemas.microsoft.com/office/drawing/2010/main" w="9525">
+                <a:solidFill>
+                  <a:schemeClr val="tx1"/>
+                </a:solidFill>
+                <a:miter lim="800000"/>
+                <a:headEnd/>
+                <a:tailEnd/>
+              </a14:hiddenLine>
+            </a:ext>
+            <a:ext uri="{AF507438-7753-43E0-B8FC-AC1667EBCBE1}">
+              <a14:hiddenEffects xmlns:a14="http://schemas.microsoft.com/office/drawing/2010/main">
+                <a:effectLst>
+                  <a:outerShdw dist="35921" dir="2700000" algn="ctr" rotWithShape="0">
+                    <a:schemeClr val="bg2"/>
+                  </a:outerShdw>
+                </a:effectLst>
+              </a14:hiddenEffects>
+            </a:ext>
+          </a:extLst>
+        </p:spPr>
+      </p:pic>
+    </p:spTree>
+    <p:extLst>
+      <p:ext uri="{BB962C8B-B14F-4D97-AF65-F5344CB8AC3E}">
+        <p14:creationId xmlns:p14="http://schemas.microsoft.com/office/powerpoint/2010/main" val="3205410330"/>
       </p:ext>
     </p:extLst>
   </p:cSld>
@@ -14147,7 +14795,7 @@
           <a:graphicData uri="http://schemas.openxmlformats.org/presentationml/2006/ole">
             <mc:AlternateContent xmlns:mc="http://schemas.openxmlformats.org/markup-compatibility/2006">
               <mc:Choice xmlns:v="urn:schemas-microsoft-com:vml" Requires="v">
-                <p:oleObj spid="_x0000_s1038" name="Visio" r:id="rId3" imgW="16087657" imgH="8943975" progId="Visio.Drawing.15">
+                <p:oleObj spid="_x0000_s1041" name="Visio" r:id="rId3" imgW="16087657" imgH="8943975" progId="Visio.Drawing.15">
                   <p:embed/>
                 </p:oleObj>
               </mc:Choice>
@@ -14434,7 +15082,7 @@
           <a:graphicData uri="http://schemas.openxmlformats.org/presentationml/2006/ole">
             <mc:AlternateContent xmlns:mc="http://schemas.openxmlformats.org/markup-compatibility/2006">
               <mc:Choice xmlns:v="urn:schemas-microsoft-com:vml" Requires="v">
-                <p:oleObj spid="_x0000_s2072" name="Visio" r:id="rId3" imgW="16087657" imgH="8943975" progId="Visio.Drawing.15">
+                <p:oleObj spid="_x0000_s2078" name="Visio" r:id="rId3" imgW="16087657" imgH="8943975" progId="Visio.Drawing.15">
                   <p:embed/>
                 </p:oleObj>
               </mc:Choice>
@@ -14567,7 +15215,7 @@
           <a:graphicData uri="http://schemas.openxmlformats.org/presentationml/2006/ole">
             <mc:AlternateContent xmlns:mc="http://schemas.openxmlformats.org/markup-compatibility/2006">
               <mc:Choice xmlns:v="urn:schemas-microsoft-com:vml" Requires="v">
-                <p:oleObj spid="_x0000_s2073" name="Visio" r:id="rId5" imgW="8763000" imgH="6886575" progId="Visio.Drawing.15">
+                <p:oleObj spid="_x0000_s2079" name="Visio" r:id="rId5" imgW="8763000" imgH="6886575" progId="Visio.Drawing.15">
                   <p:embed/>
                 </p:oleObj>
               </mc:Choice>
@@ -14854,7 +15502,7 @@
           <a:graphicData uri="http://schemas.openxmlformats.org/presentationml/2006/ole">
             <mc:AlternateContent xmlns:mc="http://schemas.openxmlformats.org/markup-compatibility/2006">
               <mc:Choice xmlns:v="urn:schemas-microsoft-com:vml" Requires="v">
-                <p:oleObj spid="_x0000_s9224" name="Visio" r:id="rId3" imgW="16087657" imgH="8943975" progId="Visio.Drawing.15">
+                <p:oleObj spid="_x0000_s9230" name="Visio" r:id="rId3" imgW="16087657" imgH="8943975" progId="Visio.Drawing.15">
                   <p:embed/>
                 </p:oleObj>
               </mc:Choice>
@@ -14987,7 +15635,7 @@
           <a:graphicData uri="http://schemas.openxmlformats.org/presentationml/2006/ole">
             <mc:AlternateContent xmlns:mc="http://schemas.openxmlformats.org/markup-compatibility/2006">
               <mc:Choice xmlns:v="urn:schemas-microsoft-com:vml" Requires="v">
-                <p:oleObj spid="_x0000_s9225" name="Visio" r:id="rId5" imgW="8763000" imgH="6886575" progId="Visio.Drawing.15">
+                <p:oleObj spid="_x0000_s9231" name="Visio" r:id="rId5" imgW="8763000" imgH="6886575" progId="Visio.Drawing.15">
                   <p:embed/>
                 </p:oleObj>
               </mc:Choice>
@@ -15274,7 +15922,7 @@
           <a:graphicData uri="http://schemas.openxmlformats.org/presentationml/2006/ole">
             <mc:AlternateContent xmlns:mc="http://schemas.openxmlformats.org/markup-compatibility/2006">
               <mc:Choice xmlns:v="urn:schemas-microsoft-com:vml" Requires="v">
-                <p:oleObj spid="_x0000_s10246" name="Visio" r:id="rId3" imgW="16087657" imgH="8943975" progId="Visio.Drawing.15">
+                <p:oleObj spid="_x0000_s10252" name="Visio" r:id="rId3" imgW="16087657" imgH="8943975" progId="Visio.Drawing.15">
                   <p:embed/>
                 </p:oleObj>
               </mc:Choice>
@@ -15407,7 +16055,7 @@
           <a:graphicData uri="http://schemas.openxmlformats.org/presentationml/2006/ole">
             <mc:AlternateContent xmlns:mc="http://schemas.openxmlformats.org/markup-compatibility/2006">
               <mc:Choice xmlns:v="urn:schemas-microsoft-com:vml" Requires="v">
-                <p:oleObj spid="_x0000_s10247" name="Visio" r:id="rId5" imgW="8763000" imgH="6886575" progId="Visio.Drawing.15">
+                <p:oleObj spid="_x0000_s10253" name="Visio" r:id="rId5" imgW="8763000" imgH="6886575" progId="Visio.Drawing.15">
                   <p:embed/>
                 </p:oleObj>
               </mc:Choice>
@@ -15694,7 +16342,7 @@
           <a:graphicData uri="http://schemas.openxmlformats.org/presentationml/2006/ole">
             <mc:AlternateContent xmlns:mc="http://schemas.openxmlformats.org/markup-compatibility/2006">
               <mc:Choice xmlns:v="urn:schemas-microsoft-com:vml" Requires="v">
-                <p:oleObj spid="_x0000_s11268" name="Visio" r:id="rId3" imgW="16087657" imgH="8943975" progId="Visio.Drawing.15">
+                <p:oleObj spid="_x0000_s11274" name="Visio" r:id="rId3" imgW="16087657" imgH="8943975" progId="Visio.Drawing.15">
                   <p:embed/>
                 </p:oleObj>
               </mc:Choice>
@@ -15827,7 +16475,7 @@
           <a:graphicData uri="http://schemas.openxmlformats.org/presentationml/2006/ole">
             <mc:AlternateContent xmlns:mc="http://schemas.openxmlformats.org/markup-compatibility/2006">
               <mc:Choice xmlns:v="urn:schemas-microsoft-com:vml" Requires="v">
-                <p:oleObj spid="_x0000_s11269" name="Visio" r:id="rId5" imgW="8763000" imgH="6886575" progId="Visio.Drawing.15">
+                <p:oleObj spid="_x0000_s11275" name="Visio" r:id="rId5" imgW="8763000" imgH="6886575" progId="Visio.Drawing.15">
                   <p:embed/>
                 </p:oleObj>
               </mc:Choice>
@@ -16114,7 +16762,7 @@
           <a:graphicData uri="http://schemas.openxmlformats.org/presentationml/2006/ole">
             <mc:AlternateContent xmlns:mc="http://schemas.openxmlformats.org/markup-compatibility/2006">
               <mc:Choice xmlns:v="urn:schemas-microsoft-com:vml" Requires="v">
-                <p:oleObj spid="_x0000_s4116" name="Visio" r:id="rId3" imgW="16087657" imgH="8943975" progId="Visio.Drawing.15">
+                <p:oleObj spid="_x0000_s4122" name="Visio" r:id="rId3" imgW="16087657" imgH="8943975" progId="Visio.Drawing.15">
                   <p:embed/>
                 </p:oleObj>
               </mc:Choice>
@@ -16247,7 +16895,7 @@
           <a:graphicData uri="http://schemas.openxmlformats.org/presentationml/2006/ole">
             <mc:AlternateContent xmlns:mc="http://schemas.openxmlformats.org/markup-compatibility/2006">
               <mc:Choice xmlns:v="urn:schemas-microsoft-com:vml" Requires="v">
-                <p:oleObj spid="_x0000_s4117" name="Visio" r:id="rId5" imgW="8763000" imgH="6886575" progId="Visio.Drawing.15">
+                <p:oleObj spid="_x0000_s4123" name="Visio" r:id="rId5" imgW="8763000" imgH="6886575" progId="Visio.Drawing.15">
                   <p:embed/>
                 </p:oleObj>
               </mc:Choice>

--- a/Customer relationship manager.pptx
+++ b/Customer relationship manager.pptx
@@ -3638,12 +3638,12 @@
           <a:graphicData uri="http://schemas.openxmlformats.org/presentationml/2006/ole">
             <mc:AlternateContent xmlns:mc="http://schemas.openxmlformats.org/markup-compatibility/2006">
               <mc:Choice xmlns:v="urn:schemas-microsoft-com:vml" Requires="v">
-                <p:oleObj spid="_x0000_s3100" name="Visio" r:id="rId3" imgW="16087657" imgH="8943975" progId="Visio.Drawing.15">
+                <p:oleObj spid="_x0000_s3102" name="Visio" r:id="rId4" imgW="16087657" imgH="8943975" progId="Visio.Drawing.15">
                   <p:embed/>
                 </p:oleObj>
               </mc:Choice>
               <mc:Fallback>
-                <p:oleObj name="Visio" r:id="rId3" imgW="16087657" imgH="8943975" progId="Visio.Drawing.15">
+                <p:oleObj name="Visio" r:id="rId4" imgW="16087657" imgH="8943975" progId="Visio.Drawing.15">
                   <p:embed/>
                   <p:pic>
                     <p:nvPicPr>
@@ -3654,7 +3654,7 @@
                       <p:nvPr/>
                     </p:nvPicPr>
                     <p:blipFill>
-                      <a:blip r:embed="rId4"/>
+                      <a:blip r:embed="rId5"/>
                       <a:srcRect/>
                       <a:stretch>
                         <a:fillRect/>
@@ -3771,12 +3771,12 @@
           <a:graphicData uri="http://schemas.openxmlformats.org/presentationml/2006/ole">
             <mc:AlternateContent xmlns:mc="http://schemas.openxmlformats.org/markup-compatibility/2006">
               <mc:Choice xmlns:v="urn:schemas-microsoft-com:vml" Requires="v">
-                <p:oleObj spid="_x0000_s3101" name="Visio" r:id="rId5" imgW="8763000" imgH="6886575" progId="Visio.Drawing.15">
+                <p:oleObj spid="_x0000_s3103" name="Visio" r:id="rId7" imgW="8763000" imgH="6886575" progId="Visio.Drawing.15">
                   <p:embed/>
                 </p:oleObj>
               </mc:Choice>
               <mc:Fallback>
-                <p:oleObj name="Visio" r:id="rId5" imgW="8763000" imgH="6886575" progId="Visio.Drawing.15">
+                <p:oleObj name="Visio" r:id="rId7" imgW="8763000" imgH="6886575" progId="Visio.Drawing.15">
                   <p:embed/>
                   <p:pic>
                     <p:nvPicPr>
@@ -3787,7 +3787,7 @@
                       <p:nvPr/>
                     </p:nvPicPr>
                     <p:blipFill>
-                      <a:blip r:embed="rId6"/>
+                      <a:blip r:embed="rId8"/>
                       <a:srcRect/>
                       <a:stretch>
                         <a:fillRect/>
@@ -6608,12 +6608,12 @@
           <a:graphicData uri="http://schemas.openxmlformats.org/presentationml/2006/ole">
             <mc:AlternateContent xmlns:mc="http://schemas.openxmlformats.org/markup-compatibility/2006">
               <mc:Choice xmlns:v="urn:schemas-microsoft-com:vml" Requires="v">
-                <p:oleObj spid="_x0000_s5132" name="Visio" r:id="rId3" imgW="19697585" imgH="21126352" progId="Visio.Drawing.15">
+                <p:oleObj spid="_x0000_s5133" name="Visio" r:id="rId4" imgW="19697585" imgH="21126352" progId="Visio.Drawing.15">
                   <p:embed/>
                 </p:oleObj>
               </mc:Choice>
               <mc:Fallback>
-                <p:oleObj name="Visio" r:id="rId3" imgW="19697585" imgH="21126352" progId="Visio.Drawing.15">
+                <p:oleObj name="Visio" r:id="rId4" imgW="19697585" imgH="21126352" progId="Visio.Drawing.15">
                   <p:embed/>
                   <p:pic>
                     <p:nvPicPr>
@@ -6624,7 +6624,7 @@
                       <p:nvPr/>
                     </p:nvPicPr>
                     <p:blipFill>
-                      <a:blip r:embed="rId4">
+                      <a:blip r:embed="rId5">
                         <a:extLst>
                           <a:ext uri="{28A0092B-C50C-407E-A947-70E740481C1C}">
                             <a14:useLocalDpi xmlns:a14="http://schemas.microsoft.com/office/drawing/2010/main" val="0"/>
@@ -6714,11 +6714,7 @@
           <a:p>
             <a:r>
               <a:rPr lang="pt-PT" dirty="0" smtClean="0"/>
-              <a:t>CRM-Diagrama </a:t>
-            </a:r>
-            <a:r>
-              <a:rPr lang="pt-PT" dirty="0" smtClean="0"/>
-              <a:t>de Classes</a:t>
+              <a:t>CRM-Diagrama de Classes</a:t>
             </a:r>
             <a:endParaRPr lang="pt-PT" dirty="0"/>
           </a:p>
@@ -7224,11 +7220,7 @@
           <a:p>
             <a:r>
               <a:rPr lang="pt-PT" dirty="0" smtClean="0"/>
-              <a:t>CRM-Diagrama </a:t>
-            </a:r>
-            <a:r>
-              <a:rPr lang="pt-PT" dirty="0" smtClean="0"/>
-              <a:t>de Classes</a:t>
+              <a:t>CRM-Diagrama de Classes</a:t>
             </a:r>
             <a:endParaRPr lang="pt-PT" dirty="0"/>
           </a:p>
@@ -7734,11 +7726,7 @@
           <a:p>
             <a:r>
               <a:rPr lang="pt-PT" dirty="0" smtClean="0"/>
-              <a:t>CRM-Diagrama </a:t>
-            </a:r>
-            <a:r>
-              <a:rPr lang="pt-PT" dirty="0" smtClean="0"/>
-              <a:t>de Classes</a:t>
+              <a:t>CRM-Diagrama de Classes</a:t>
             </a:r>
             <a:endParaRPr lang="pt-PT" dirty="0"/>
           </a:p>
@@ -8244,11 +8232,7 @@
           <a:p>
             <a:r>
               <a:rPr lang="pt-PT" dirty="0" smtClean="0"/>
-              <a:t>CRM-Diagrama </a:t>
-            </a:r>
-            <a:r>
-              <a:rPr lang="pt-PT" dirty="0" smtClean="0"/>
-              <a:t>de Classes</a:t>
+              <a:t>CRM-Diagrama de Classes</a:t>
             </a:r>
             <a:endParaRPr lang="pt-PT" dirty="0"/>
           </a:p>
@@ -8860,11 +8844,7 @@
           <a:p>
             <a:r>
               <a:rPr lang="pt-PT" dirty="0" smtClean="0"/>
-              <a:t>CRM-Diagrama </a:t>
-            </a:r>
-            <a:r>
-              <a:rPr lang="pt-PT" dirty="0" smtClean="0"/>
-              <a:t>de Classes</a:t>
+              <a:t>CRM-Diagrama de Classes</a:t>
             </a:r>
             <a:endParaRPr lang="pt-PT" dirty="0"/>
           </a:p>
@@ -14795,12 +14775,12 @@
           <a:graphicData uri="http://schemas.openxmlformats.org/presentationml/2006/ole">
             <mc:AlternateContent xmlns:mc="http://schemas.openxmlformats.org/markup-compatibility/2006">
               <mc:Choice xmlns:v="urn:schemas-microsoft-com:vml" Requires="v">
-                <p:oleObj spid="_x0000_s1041" name="Visio" r:id="rId3" imgW="16087657" imgH="8943975" progId="Visio.Drawing.15">
+                <p:oleObj spid="_x0000_s1043" name="Visio" r:id="rId4" imgW="16087657" imgH="8943975" progId="Visio.Drawing.15">
                   <p:embed/>
                 </p:oleObj>
               </mc:Choice>
               <mc:Fallback>
-                <p:oleObj name="Visio" r:id="rId3" imgW="16087657" imgH="8943975" progId="Visio.Drawing.15">
+                <p:oleObj name="Visio" r:id="rId4" imgW="16087657" imgH="8943975" progId="Visio.Drawing.15">
                   <p:embed/>
                   <p:pic>
                     <p:nvPicPr>
@@ -14811,7 +14791,7 @@
                       <p:nvPr/>
                     </p:nvPicPr>
                     <p:blipFill>
-                      <a:blip r:embed="rId4"/>
+                      <a:blip r:embed="rId5"/>
                       <a:srcRect/>
                       <a:stretch>
                         <a:fillRect/>
@@ -14845,14 +14825,14 @@
       </p:graphicFrame>
       <p:pic>
         <p:nvPicPr>
-          <p:cNvPr id="1027" name="Picture 3"/>
+          <p:cNvPr id="1042" name="Picture 18"/>
           <p:cNvPicPr>
             <a:picLocks noChangeAspect="1" noChangeArrowheads="1"/>
           </p:cNvPicPr>
           <p:nvPr/>
         </p:nvPicPr>
         <p:blipFill>
-          <a:blip r:embed="rId5">
+          <a:blip r:embed="rId6">
             <a:extLst>
               <a:ext uri="{28A0092B-C50C-407E-A947-70E740481C1C}">
                 <a14:useLocalDpi xmlns:a14="http://schemas.microsoft.com/office/drawing/2010/main" val="0"/>
@@ -14866,8 +14846,8 @@
         </p:blipFill>
         <p:spPr bwMode="auto">
           <a:xfrm>
-            <a:off x="-1" y="1556792"/>
-            <a:ext cx="9144001" cy="5301208"/>
+            <a:off x="1" y="1340768"/>
+            <a:ext cx="9144000" cy="5517232"/>
           </a:xfrm>
           <a:prstGeom prst="rect">
             <a:avLst/>
@@ -15082,12 +15062,12 @@
           <a:graphicData uri="http://schemas.openxmlformats.org/presentationml/2006/ole">
             <mc:AlternateContent xmlns:mc="http://schemas.openxmlformats.org/markup-compatibility/2006">
               <mc:Choice xmlns:v="urn:schemas-microsoft-com:vml" Requires="v">
-                <p:oleObj spid="_x0000_s2078" name="Visio" r:id="rId3" imgW="16087657" imgH="8943975" progId="Visio.Drawing.15">
+                <p:oleObj spid="_x0000_s2080" name="Visio" r:id="rId4" imgW="16087657" imgH="8943975" progId="Visio.Drawing.15">
                   <p:embed/>
                 </p:oleObj>
               </mc:Choice>
               <mc:Fallback>
-                <p:oleObj name="Visio" r:id="rId3" imgW="16087657" imgH="8943975" progId="Visio.Drawing.15">
+                <p:oleObj name="Visio" r:id="rId4" imgW="16087657" imgH="8943975" progId="Visio.Drawing.15">
                   <p:embed/>
                   <p:pic>
                     <p:nvPicPr>
@@ -15098,7 +15078,7 @@
                       <p:nvPr/>
                     </p:nvPicPr>
                     <p:blipFill>
-                      <a:blip r:embed="rId4"/>
+                      <a:blip r:embed="rId5"/>
                       <a:srcRect/>
                       <a:stretch>
                         <a:fillRect/>
@@ -15215,12 +15195,12 @@
           <a:graphicData uri="http://schemas.openxmlformats.org/presentationml/2006/ole">
             <mc:AlternateContent xmlns:mc="http://schemas.openxmlformats.org/markup-compatibility/2006">
               <mc:Choice xmlns:v="urn:schemas-microsoft-com:vml" Requires="v">
-                <p:oleObj spid="_x0000_s2079" name="Visio" r:id="rId5" imgW="8763000" imgH="6886575" progId="Visio.Drawing.15">
+                <p:oleObj spid="_x0000_s2081" name="Visio" r:id="rId7" imgW="8763000" imgH="6886575" progId="Visio.Drawing.15">
                   <p:embed/>
                 </p:oleObj>
               </mc:Choice>
               <mc:Fallback>
-                <p:oleObj name="Visio" r:id="rId5" imgW="8763000" imgH="6886575" progId="Visio.Drawing.15">
+                <p:oleObj name="Visio" r:id="rId7" imgW="8763000" imgH="6886575" progId="Visio.Drawing.15">
                   <p:embed/>
                   <p:pic>
                     <p:nvPicPr>
@@ -15231,7 +15211,7 @@
                       <p:nvPr/>
                     </p:nvPicPr>
                     <p:blipFill>
-                      <a:blip r:embed="rId6"/>
+                      <a:blip r:embed="rId8"/>
                       <a:srcRect/>
                       <a:stretch>
                         <a:fillRect/>
@@ -15272,7 +15252,7 @@
           <p:nvPr/>
         </p:nvPicPr>
         <p:blipFill>
-          <a:blip r:embed="rId7">
+          <a:blip r:embed="rId9">
             <a:extLst>
               <a:ext uri="{28A0092B-C50C-407E-A947-70E740481C1C}">
                 <a14:useLocalDpi xmlns:a14="http://schemas.microsoft.com/office/drawing/2010/main" val="0"/>
@@ -15502,12 +15482,12 @@
           <a:graphicData uri="http://schemas.openxmlformats.org/presentationml/2006/ole">
             <mc:AlternateContent xmlns:mc="http://schemas.openxmlformats.org/markup-compatibility/2006">
               <mc:Choice xmlns:v="urn:schemas-microsoft-com:vml" Requires="v">
-                <p:oleObj spid="_x0000_s9230" name="Visio" r:id="rId3" imgW="16087657" imgH="8943975" progId="Visio.Drawing.15">
+                <p:oleObj spid="_x0000_s9232" name="Visio" r:id="rId4" imgW="16087657" imgH="8943975" progId="Visio.Drawing.15">
                   <p:embed/>
                 </p:oleObj>
               </mc:Choice>
               <mc:Fallback>
-                <p:oleObj name="Visio" r:id="rId3" imgW="16087657" imgH="8943975" progId="Visio.Drawing.15">
+                <p:oleObj name="Visio" r:id="rId4" imgW="16087657" imgH="8943975" progId="Visio.Drawing.15">
                   <p:embed/>
                   <p:pic>
                     <p:nvPicPr>
@@ -15518,7 +15498,7 @@
                       <p:nvPr/>
                     </p:nvPicPr>
                     <p:blipFill>
-                      <a:blip r:embed="rId4"/>
+                      <a:blip r:embed="rId5"/>
                       <a:srcRect/>
                       <a:stretch>
                         <a:fillRect/>
@@ -15635,12 +15615,12 @@
           <a:graphicData uri="http://schemas.openxmlformats.org/presentationml/2006/ole">
             <mc:AlternateContent xmlns:mc="http://schemas.openxmlformats.org/markup-compatibility/2006">
               <mc:Choice xmlns:v="urn:schemas-microsoft-com:vml" Requires="v">
-                <p:oleObj spid="_x0000_s9231" name="Visio" r:id="rId5" imgW="8763000" imgH="6886575" progId="Visio.Drawing.15">
+                <p:oleObj spid="_x0000_s9233" name="Visio" r:id="rId7" imgW="8763000" imgH="6886575" progId="Visio.Drawing.15">
                   <p:embed/>
                 </p:oleObj>
               </mc:Choice>
               <mc:Fallback>
-                <p:oleObj name="Visio" r:id="rId5" imgW="8763000" imgH="6886575" progId="Visio.Drawing.15">
+                <p:oleObj name="Visio" r:id="rId7" imgW="8763000" imgH="6886575" progId="Visio.Drawing.15">
                   <p:embed/>
                   <p:pic>
                     <p:nvPicPr>
@@ -15651,7 +15631,7 @@
                       <p:nvPr/>
                     </p:nvPicPr>
                     <p:blipFill>
-                      <a:blip r:embed="rId6"/>
+                      <a:blip r:embed="rId8"/>
                       <a:srcRect/>
                       <a:stretch>
                         <a:fillRect/>
@@ -15692,7 +15672,7 @@
           <p:nvPr/>
         </p:nvPicPr>
         <p:blipFill>
-          <a:blip r:embed="rId7">
+          <a:blip r:embed="rId9">
             <a:extLst>
               <a:ext uri="{28A0092B-C50C-407E-A947-70E740481C1C}">
                 <a14:useLocalDpi xmlns:a14="http://schemas.microsoft.com/office/drawing/2010/main" val="0"/>
@@ -15922,12 +15902,12 @@
           <a:graphicData uri="http://schemas.openxmlformats.org/presentationml/2006/ole">
             <mc:AlternateContent xmlns:mc="http://schemas.openxmlformats.org/markup-compatibility/2006">
               <mc:Choice xmlns:v="urn:schemas-microsoft-com:vml" Requires="v">
-                <p:oleObj spid="_x0000_s10252" name="Visio" r:id="rId3" imgW="16087657" imgH="8943975" progId="Visio.Drawing.15">
+                <p:oleObj spid="_x0000_s10254" name="Visio" r:id="rId4" imgW="16087657" imgH="8943975" progId="Visio.Drawing.15">
                   <p:embed/>
                 </p:oleObj>
               </mc:Choice>
               <mc:Fallback>
-                <p:oleObj name="Visio" r:id="rId3" imgW="16087657" imgH="8943975" progId="Visio.Drawing.15">
+                <p:oleObj name="Visio" r:id="rId4" imgW="16087657" imgH="8943975" progId="Visio.Drawing.15">
                   <p:embed/>
                   <p:pic>
                     <p:nvPicPr>
@@ -15938,7 +15918,7 @@
                       <p:nvPr/>
                     </p:nvPicPr>
                     <p:blipFill>
-                      <a:blip r:embed="rId4"/>
+                      <a:blip r:embed="rId5"/>
                       <a:srcRect/>
                       <a:stretch>
                         <a:fillRect/>
@@ -16055,12 +16035,12 @@
           <a:graphicData uri="http://schemas.openxmlformats.org/presentationml/2006/ole">
             <mc:AlternateContent xmlns:mc="http://schemas.openxmlformats.org/markup-compatibility/2006">
               <mc:Choice xmlns:v="urn:schemas-microsoft-com:vml" Requires="v">
-                <p:oleObj spid="_x0000_s10253" name="Visio" r:id="rId5" imgW="8763000" imgH="6886575" progId="Visio.Drawing.15">
+                <p:oleObj spid="_x0000_s10255" name="Visio" r:id="rId7" imgW="8763000" imgH="6886575" progId="Visio.Drawing.15">
                   <p:embed/>
                 </p:oleObj>
               </mc:Choice>
               <mc:Fallback>
-                <p:oleObj name="Visio" r:id="rId5" imgW="8763000" imgH="6886575" progId="Visio.Drawing.15">
+                <p:oleObj name="Visio" r:id="rId7" imgW="8763000" imgH="6886575" progId="Visio.Drawing.15">
                   <p:embed/>
                   <p:pic>
                     <p:nvPicPr>
@@ -16071,7 +16051,7 @@
                       <p:nvPr/>
                     </p:nvPicPr>
                     <p:blipFill>
-                      <a:blip r:embed="rId6"/>
+                      <a:blip r:embed="rId8"/>
                       <a:srcRect/>
                       <a:stretch>
                         <a:fillRect/>
@@ -16112,7 +16092,7 @@
           <p:nvPr/>
         </p:nvPicPr>
         <p:blipFill>
-          <a:blip r:embed="rId7">
+          <a:blip r:embed="rId9">
             <a:extLst>
               <a:ext uri="{28A0092B-C50C-407E-A947-70E740481C1C}">
                 <a14:useLocalDpi xmlns:a14="http://schemas.microsoft.com/office/drawing/2010/main" val="0"/>
@@ -16342,12 +16322,12 @@
           <a:graphicData uri="http://schemas.openxmlformats.org/presentationml/2006/ole">
             <mc:AlternateContent xmlns:mc="http://schemas.openxmlformats.org/markup-compatibility/2006">
               <mc:Choice xmlns:v="urn:schemas-microsoft-com:vml" Requires="v">
-                <p:oleObj spid="_x0000_s11274" name="Visio" r:id="rId3" imgW="16087657" imgH="8943975" progId="Visio.Drawing.15">
+                <p:oleObj spid="_x0000_s11276" name="Visio" r:id="rId4" imgW="16087657" imgH="8943975" progId="Visio.Drawing.15">
                   <p:embed/>
                 </p:oleObj>
               </mc:Choice>
               <mc:Fallback>
-                <p:oleObj name="Visio" r:id="rId3" imgW="16087657" imgH="8943975" progId="Visio.Drawing.15">
+                <p:oleObj name="Visio" r:id="rId4" imgW="16087657" imgH="8943975" progId="Visio.Drawing.15">
                   <p:embed/>
                   <p:pic>
                     <p:nvPicPr>
@@ -16358,7 +16338,7 @@
                       <p:nvPr/>
                     </p:nvPicPr>
                     <p:blipFill>
-                      <a:blip r:embed="rId4"/>
+                      <a:blip r:embed="rId5"/>
                       <a:srcRect/>
                       <a:stretch>
                         <a:fillRect/>
@@ -16475,12 +16455,12 @@
           <a:graphicData uri="http://schemas.openxmlformats.org/presentationml/2006/ole">
             <mc:AlternateContent xmlns:mc="http://schemas.openxmlformats.org/markup-compatibility/2006">
               <mc:Choice xmlns:v="urn:schemas-microsoft-com:vml" Requires="v">
-                <p:oleObj spid="_x0000_s11275" name="Visio" r:id="rId5" imgW="8763000" imgH="6886575" progId="Visio.Drawing.15">
+                <p:oleObj spid="_x0000_s11277" name="Visio" r:id="rId7" imgW="8763000" imgH="6886575" progId="Visio.Drawing.15">
                   <p:embed/>
                 </p:oleObj>
               </mc:Choice>
               <mc:Fallback>
-                <p:oleObj name="Visio" r:id="rId5" imgW="8763000" imgH="6886575" progId="Visio.Drawing.15">
+                <p:oleObj name="Visio" r:id="rId7" imgW="8763000" imgH="6886575" progId="Visio.Drawing.15">
                   <p:embed/>
                   <p:pic>
                     <p:nvPicPr>
@@ -16491,7 +16471,7 @@
                       <p:nvPr/>
                     </p:nvPicPr>
                     <p:blipFill>
-                      <a:blip r:embed="rId6"/>
+                      <a:blip r:embed="rId8"/>
                       <a:srcRect/>
                       <a:stretch>
                         <a:fillRect/>
@@ -16532,7 +16512,7 @@
           <p:nvPr/>
         </p:nvPicPr>
         <p:blipFill>
-          <a:blip r:embed="rId7">
+          <a:blip r:embed="rId9">
             <a:extLst>
               <a:ext uri="{28A0092B-C50C-407E-A947-70E740481C1C}">
                 <a14:useLocalDpi xmlns:a14="http://schemas.microsoft.com/office/drawing/2010/main" val="0"/>
@@ -16762,12 +16742,12 @@
           <a:graphicData uri="http://schemas.openxmlformats.org/presentationml/2006/ole">
             <mc:AlternateContent xmlns:mc="http://schemas.openxmlformats.org/markup-compatibility/2006">
               <mc:Choice xmlns:v="urn:schemas-microsoft-com:vml" Requires="v">
-                <p:oleObj spid="_x0000_s4122" name="Visio" r:id="rId3" imgW="16087657" imgH="8943975" progId="Visio.Drawing.15">
+                <p:oleObj spid="_x0000_s4124" name="Visio" r:id="rId4" imgW="16087657" imgH="8943975" progId="Visio.Drawing.15">
                   <p:embed/>
                 </p:oleObj>
               </mc:Choice>
               <mc:Fallback>
-                <p:oleObj name="Visio" r:id="rId3" imgW="16087657" imgH="8943975" progId="Visio.Drawing.15">
+                <p:oleObj name="Visio" r:id="rId4" imgW="16087657" imgH="8943975" progId="Visio.Drawing.15">
                   <p:embed/>
                   <p:pic>
                     <p:nvPicPr>
@@ -16778,7 +16758,7 @@
                       <p:nvPr/>
                     </p:nvPicPr>
                     <p:blipFill>
-                      <a:blip r:embed="rId4"/>
+                      <a:blip r:embed="rId5"/>
                       <a:srcRect/>
                       <a:stretch>
                         <a:fillRect/>
@@ -16895,12 +16875,12 @@
           <a:graphicData uri="http://schemas.openxmlformats.org/presentationml/2006/ole">
             <mc:AlternateContent xmlns:mc="http://schemas.openxmlformats.org/markup-compatibility/2006">
               <mc:Choice xmlns:v="urn:schemas-microsoft-com:vml" Requires="v">
-                <p:oleObj spid="_x0000_s4123" name="Visio" r:id="rId5" imgW="8763000" imgH="6886575" progId="Visio.Drawing.15">
+                <p:oleObj spid="_x0000_s4125" name="Visio" r:id="rId7" imgW="8763000" imgH="6886575" progId="Visio.Drawing.15">
                   <p:embed/>
                 </p:oleObj>
               </mc:Choice>
               <mc:Fallback>
-                <p:oleObj name="Visio" r:id="rId5" imgW="8763000" imgH="6886575" progId="Visio.Drawing.15">
+                <p:oleObj name="Visio" r:id="rId7" imgW="8763000" imgH="6886575" progId="Visio.Drawing.15">
                   <p:embed/>
                   <p:pic>
                     <p:nvPicPr>
@@ -16911,7 +16891,7 @@
                       <p:nvPr/>
                     </p:nvPicPr>
                     <p:blipFill>
-                      <a:blip r:embed="rId6"/>
+                      <a:blip r:embed="rId8"/>
                       <a:srcRect/>
                       <a:stretch>
                         <a:fillRect/>
